--- a/src/baekhyunwook/overloading_overriding.pptx
+++ b/src/baekhyunwook/overloading_overriding.pptx
@@ -284,7 +284,7 @@
                 <a:latin typeface="바탕" panose="02030600000101010101" pitchFamily="18" charset="-127"/>
                 <a:ea typeface="바탕" panose="02030600000101010101" pitchFamily="18" charset="-127"/>
               </a:rPr>
-              <a:t>2019년 2월 21일</a:t>
+              <a:t>2019년 2월 25일</a:t>
             </a:fld>
             <a:endParaRPr lang="ko-KR" altLang="en-US" dirty="0">
               <a:latin typeface="바탕" panose="02030600000101010101" pitchFamily="18" charset="-127"/>
@@ -470,7 +470,7 @@
             <a:fld id="{23873BE6-AABF-4E77-8333-44B502740C47}" type="datetime4">
               <a:rPr lang="ko-KR" altLang="en-US" smtClean="0"/>
               <a:pPr/>
-              <a:t>2019년 2월 21일</a:t>
+              <a:t>2019년 2월 25일</a:t>
             </a:fld>
             <a:endParaRPr lang="ko-KR" altLang="en-US" dirty="0"/>
           </a:p>
@@ -1296,7 +1296,7 @@
             <a:fld id="{A4E24021-43AB-4E93-998D-699CE5E58B5C}" type="datetime4">
               <a:rPr lang="ko-KR" altLang="en-US" smtClean="0"/>
               <a:pPr/>
-              <a:t>2019년 2월 21일</a:t>
+              <a:t>2019년 2월 25일</a:t>
             </a:fld>
             <a:endParaRPr lang="en-US" dirty="0"/>
           </a:p>
@@ -1542,7 +1542,7 @@
             <a:fld id="{E77BDE08-EF69-4CDE-9817-908A40DB987B}" type="datetime4">
               <a:rPr lang="ko-KR" altLang="en-US" smtClean="0"/>
               <a:pPr/>
-              <a:t>2019년 2월 21일</a:t>
+              <a:t>2019년 2월 25일</a:t>
             </a:fld>
             <a:endParaRPr lang="en-US" dirty="0"/>
           </a:p>
@@ -1793,7 +1793,7 @@
             <a:fld id="{B3D5B25B-EC36-4BC0-84ED-D01E4AD690B3}" type="datetime4">
               <a:rPr lang="ko-KR" altLang="en-US" smtClean="0"/>
               <a:pPr/>
-              <a:t>2019년 2월 21일</a:t>
+              <a:t>2019년 2월 25일</a:t>
             </a:fld>
             <a:endParaRPr lang="en-US" dirty="0"/>
           </a:p>
@@ -2041,7 +2041,7 @@
             <a:fld id="{98EE465E-3D0C-432A-9E67-582EEBBC8739}" type="datetime4">
               <a:rPr lang="ko-KR" altLang="en-US" smtClean="0"/>
               <a:pPr/>
-              <a:t>2019년 2월 21일</a:t>
+              <a:t>2019년 2월 25일</a:t>
             </a:fld>
             <a:endParaRPr lang="en-US" dirty="0"/>
           </a:p>
@@ -2340,7 +2340,7 @@
             <a:fld id="{1DB36429-B3C0-466B-BF6F-F6A206099674}" type="datetime4">
               <a:rPr lang="ko-KR" altLang="en-US" smtClean="0"/>
               <a:pPr/>
-              <a:t>2019년 2월 21일</a:t>
+              <a:t>2019년 2월 25일</a:t>
             </a:fld>
             <a:endParaRPr lang="en-US" dirty="0"/>
           </a:p>
@@ -2709,7 +2709,7 @@
             <a:fld id="{8845D1C0-D6DE-4F8D-8724-C16FFD36AC09}" type="datetime4">
               <a:rPr lang="ko-KR" altLang="en-US" smtClean="0"/>
               <a:pPr/>
-              <a:t>2019년 2월 21일</a:t>
+              <a:t>2019년 2월 25일</a:t>
             </a:fld>
             <a:endParaRPr lang="en-US" dirty="0"/>
           </a:p>
@@ -3229,7 +3229,7 @@
             <a:fld id="{7F694308-BEB5-43C2-96B3-777BAF31FA92}" type="datetime4">
               <a:rPr lang="ko-KR" altLang="en-US" smtClean="0"/>
               <a:pPr/>
-              <a:t>2019년 2월 21일</a:t>
+              <a:t>2019년 2월 25일</a:t>
             </a:fld>
             <a:endParaRPr lang="en-US" dirty="0"/>
           </a:p>
@@ -3394,7 +3394,7 @@
             <a:fld id="{E92518E5-899D-4F1C-B9C0-4153F589D8C4}" type="datetime4">
               <a:rPr lang="ko-KR" altLang="en-US" smtClean="0"/>
               <a:pPr/>
-              <a:t>2019년 2월 21일</a:t>
+              <a:t>2019년 2월 25일</a:t>
             </a:fld>
             <a:endParaRPr lang="en-US" dirty="0"/>
           </a:p>
@@ -3528,7 +3528,7 @@
             <a:fld id="{A9AB2EC4-AC50-4AAA-838D-1B8620D65867}" type="datetime4">
               <a:rPr lang="ko-KR" altLang="en-US" smtClean="0"/>
               <a:pPr/>
-              <a:t>2019년 2월 21일</a:t>
+              <a:t>2019년 2월 25일</a:t>
             </a:fld>
             <a:endParaRPr lang="en-US" dirty="0"/>
           </a:p>
@@ -3887,7 +3887,7 @@
             <a:fld id="{CBCA9A85-B5CB-4659-B7AD-2ADB675ACA4D}" type="datetime4">
               <a:rPr lang="ko-KR" altLang="en-US" smtClean="0"/>
               <a:pPr/>
-              <a:t>2019년 2월 21일</a:t>
+              <a:t>2019년 2월 25일</a:t>
             </a:fld>
             <a:endParaRPr lang="en-US" dirty="0"/>
           </a:p>
@@ -4394,7 +4394,7 @@
             <a:fld id="{2A2311A3-2538-42DE-AEC3-5B7A40B68862}" type="datetime4">
               <a:rPr lang="ko-KR" altLang="en-US" smtClean="0"/>
               <a:pPr/>
-              <a:t>2019년 2월 21일</a:t>
+              <a:t>2019년 2월 25일</a:t>
             </a:fld>
             <a:endParaRPr lang="en-US" dirty="0"/>
           </a:p>
@@ -4938,6 +4938,13 @@
       </p:transition>
     </mc:Fallback>
   </mc:AlternateContent>
+  <p:timing>
+    <p:tnLst>
+      <p:par>
+        <p:cTn id="1" dur="indefinite" restart="never" nodeType="tmRoot"/>
+      </p:par>
+    </p:tnLst>
+  </p:timing>
 </p:sld>
 </file>
 
@@ -4975,16 +4982,8 @@
           <a:p>
             <a:pPr rtl="0"/>
             <a:r>
-              <a:rPr lang="ko-KR" altLang="en-US" dirty="0" err="1" smtClean="0"/>
-              <a:t>오버라이딩</a:t>
-            </a:r>
-            <a:r>
-              <a:rPr lang="en-US" altLang="ko-KR" dirty="0" smtClean="0"/>
-              <a:t>(</a:t>
-            </a:r>
-            <a:r>
-              <a:rPr lang="en-US" altLang="ko-KR" dirty="0" smtClean="0"/>
-              <a:t>Overriding)</a:t>
+              <a:rPr lang="ko-KR" altLang="en-US" dirty="0" smtClean="0"/>
+              <a:t>오버로딩</a:t>
             </a:r>
             <a:endParaRPr lang="ko-KR" altLang="en-US" dirty="0">
               <a:latin typeface="맑은 고딕" panose="020B0503020000020004" pitchFamily="50" charset="-127"/>
@@ -5103,6 +5102,13 @@
       </p:transition>
     </mc:Fallback>
   </mc:AlternateContent>
+  <p:timing>
+    <p:tnLst>
+      <p:par>
+        <p:cTn id="1" dur="indefinite" restart="never" nodeType="tmRoot"/>
+      </p:par>
+    </p:tnLst>
+  </p:timing>
 </p:sld>
 </file>
 
@@ -5140,16 +5146,8 @@
           <a:p>
             <a:pPr rtl="0"/>
             <a:r>
-              <a:rPr lang="ko-KR" altLang="en-US" dirty="0" smtClean="0"/>
-              <a:t>오버로딩</a:t>
-            </a:r>
-            <a:r>
-              <a:rPr lang="en-US" altLang="ko-KR" dirty="0"/>
-              <a:t>(</a:t>
-            </a:r>
-            <a:r>
-              <a:rPr lang="en-US" altLang="ko-KR" dirty="0" smtClean="0"/>
-              <a:t>Overloading)</a:t>
+              <a:rPr lang="ko-KR" altLang="en-US" smtClean="0"/>
+              <a:t>오버라이딩</a:t>
             </a:r>
             <a:endParaRPr lang="ko-KR" altLang="en-US" dirty="0">
               <a:latin typeface="맑은 고딕" panose="020B0503020000020004" pitchFamily="50" charset="-127"/>
@@ -5296,6 +5294,13 @@
       </p:transition>
     </mc:Fallback>
   </mc:AlternateContent>
+  <p:timing>
+    <p:tnLst>
+      <p:par>
+        <p:cTn id="1" dur="indefinite" restart="never" nodeType="tmRoot"/>
+      </p:par>
+    </p:tnLst>
+  </p:timing>
 </p:sld>
 </file>
 
@@ -6138,6 +6143,17 @@
 </file>
 
 <file path=customXml/item1.xml><?xml version="1.0" encoding="utf-8"?>
+<p:properties xmlns:p="http://schemas.microsoft.com/office/2006/metadata/properties" xmlns:xsi="http://www.w3.org/2001/XMLSchema-instance" xmlns:pc="http://schemas.microsoft.com/office/infopath/2007/PartnerControls">
+  <documentManagement>
+    <VSO_x0020_item_x0020_id xmlns="40262f94-9f35-4ac3-9a90-690165a166b7" xsi:nil="true"/>
+    <Assetid_x0020_ xmlns="40262f94-9f35-4ac3-9a90-690165a166b7" xsi:nil="true"/>
+    <Item_x0020_Details xmlns="40262f94-9f35-4ac3-9a90-690165a166b7" xsi:nil="true"/>
+    <Template_x0020_details xmlns="40262f94-9f35-4ac3-9a90-690165a166b7" xsi:nil="true"/>
+  </documentManagement>
+</p:properties>
+</file>
+
+<file path=customXml/item2.xml><?xml version="1.0" encoding="utf-8"?>
 <ct:contentTypeSchema xmlns:ct="http://schemas.microsoft.com/office/2006/metadata/contentType" xmlns:ma="http://schemas.microsoft.com/office/2006/metadata/properties/metaAttributes" ct:_="" ma:_="" ma:contentTypeName="Document" ma:contentTypeID="0x010100AA3F7D94069FF64A86F7DFF56D60E3BE" ma:contentTypeVersion="6" ma:contentTypeDescription="Create a new document." ma:contentTypeScope="" ma:versionID="c32302c77d4085ecf495bdddb7f5e889">
   <xsd:schema xmlns:xsd="http://www.w3.org/2001/XMLSchema" xmlns:xs="http://www.w3.org/2001/XMLSchema" xmlns:p="http://schemas.microsoft.com/office/2006/metadata/properties" xmlns:ns2="a4f35948-e619-41b3-aa29-22878b09cfd2" xmlns:ns3="40262f94-9f35-4ac3-9a90-690165a166b7" targetNamespace="http://schemas.microsoft.com/office/2006/metadata/properties" ma:root="true" ma:fieldsID="4ab5ae46be95f9d0be6107e8200be7a2" ns2:_="" ns3:_="">
     <xsd:import namespace="a4f35948-e619-41b3-aa29-22878b09cfd2"/>
@@ -6318,17 +6334,6 @@
 </ct:contentTypeSchema>
 </file>
 
-<file path=customXml/item2.xml><?xml version="1.0" encoding="utf-8"?>
-<p:properties xmlns:p="http://schemas.microsoft.com/office/2006/metadata/properties" xmlns:xsi="http://www.w3.org/2001/XMLSchema-instance" xmlns:pc="http://schemas.microsoft.com/office/infopath/2007/PartnerControls">
-  <documentManagement>
-    <VSO_x0020_item_x0020_id xmlns="40262f94-9f35-4ac3-9a90-690165a166b7" xsi:nil="true"/>
-    <Assetid_x0020_ xmlns="40262f94-9f35-4ac3-9a90-690165a166b7" xsi:nil="true"/>
-    <Item_x0020_Details xmlns="40262f94-9f35-4ac3-9a90-690165a166b7" xsi:nil="true"/>
-    <Template_x0020_details xmlns="40262f94-9f35-4ac3-9a90-690165a166b7" xsi:nil="true"/>
-  </documentManagement>
-</p:properties>
-</file>
-
 <file path=customXml/item3.xml><?xml version="1.0" encoding="utf-8"?>
 <?mso-contentType ?>
 <FormTemplates xmlns="http://schemas.microsoft.com/sharepoint/v3/contenttype/forms">
@@ -6339,6 +6344,23 @@
 </file>
 
 <file path=customXml/itemProps1.xml><?xml version="1.0" encoding="utf-8"?>
+<ds:datastoreItem xmlns:ds="http://schemas.openxmlformats.org/officeDocument/2006/customXml" ds:itemID="{3FFF1070-8794-47AC-90B7-1F2E078096FF}">
+  <ds:schemaRefs>
+    <ds:schemaRef ds:uri="http://purl.org/dc/elements/1.1/"/>
+    <ds:schemaRef ds:uri="http://www.w3.org/XML/1998/namespace"/>
+    <ds:schemaRef ds:uri="http://schemas.microsoft.com/office/2006/documentManagement/types"/>
+    <ds:schemaRef ds:uri="a4f35948-e619-41b3-aa29-22878b09cfd2"/>
+    <ds:schemaRef ds:uri="40262f94-9f35-4ac3-9a90-690165a166b7"/>
+    <ds:schemaRef ds:uri="http://schemas.microsoft.com/office/2006/metadata/properties"/>
+    <ds:schemaRef ds:uri="http://schemas.microsoft.com/office/infopath/2007/PartnerControls"/>
+    <ds:schemaRef ds:uri="http://purl.org/dc/terms/"/>
+    <ds:schemaRef ds:uri="http://schemas.openxmlformats.org/package/2006/metadata/core-properties"/>
+    <ds:schemaRef ds:uri="http://purl.org/dc/dcmitype/"/>
+  </ds:schemaRefs>
+</ds:datastoreItem>
+</file>
+
+<file path=customXml/itemProps2.xml><?xml version="1.0" encoding="utf-8"?>
 <ds:datastoreItem xmlns:ds="http://schemas.openxmlformats.org/officeDocument/2006/customXml" ds:itemID="{7CB30B94-6D3B-4C91-947C-5EB8E8EFFE4F}">
   <ds:schemaRefs>
     <ds:schemaRef ds:uri="http://schemas.microsoft.com/office/2006/metadata/contentType"/>
@@ -6357,23 +6379,6 @@
 </ds:datastoreItem>
 </file>
 
-<file path=customXml/itemProps2.xml><?xml version="1.0" encoding="utf-8"?>
-<ds:datastoreItem xmlns:ds="http://schemas.openxmlformats.org/officeDocument/2006/customXml" ds:itemID="{3FFF1070-8794-47AC-90B7-1F2E078096FF}">
-  <ds:schemaRefs>
-    <ds:schemaRef ds:uri="http://purl.org/dc/elements/1.1/"/>
-    <ds:schemaRef ds:uri="http://www.w3.org/XML/1998/namespace"/>
-    <ds:schemaRef ds:uri="http://schemas.microsoft.com/office/2006/documentManagement/types"/>
-    <ds:schemaRef ds:uri="a4f35948-e619-41b3-aa29-22878b09cfd2"/>
-    <ds:schemaRef ds:uri="40262f94-9f35-4ac3-9a90-690165a166b7"/>
-    <ds:schemaRef ds:uri="http://schemas.microsoft.com/office/2006/metadata/properties"/>
-    <ds:schemaRef ds:uri="http://schemas.microsoft.com/office/infopath/2007/PartnerControls"/>
-    <ds:schemaRef ds:uri="http://purl.org/dc/terms/"/>
-    <ds:schemaRef ds:uri="http://schemas.openxmlformats.org/package/2006/metadata/core-properties"/>
-    <ds:schemaRef ds:uri="http://purl.org/dc/dcmitype/"/>
-  </ds:schemaRefs>
-</ds:datastoreItem>
-</file>
-
 <file path=customXml/itemProps3.xml><?xml version="1.0" encoding="utf-8"?>
 <ds:datastoreItem xmlns:ds="http://schemas.openxmlformats.org/officeDocument/2006/customXml" ds:itemID="{653E1689-1E09-4ADC-A5E7-6718BF79A8A6}">
   <ds:schemaRefs>
